--- a/doc/PML 2 to PROV.pptx
+++ b/doc/PML 2 to PROV.pptx
@@ -38,6 +38,7 @@
     <p:sldId id="293" r:id="rId32"/>
     <p:sldId id="294" r:id="rId33"/>
     <p:sldId id="280" r:id="rId34"/>
+    <p:sldId id="295" r:id="rId35"/>
   </p:sldIdLst>
   <p:sldSz cx="9144000" cy="6858000" type="screen4x3"/>
   <p:notesSz cx="6858000" cy="9144000"/>
@@ -419,7 +420,7 @@
     </p:spTree>
     <p:extLst>
       <p:ext uri="{BB962C8B-B14F-4D97-AF65-F5344CB8AC3E}">
-        <p14:creationId xmlns:p14="http://schemas.microsoft.com/office/powerpoint/2010/main" xmlns="" val="2781323253"/>
+        <p14:creationId xmlns="" xmlns:p14="http://schemas.microsoft.com/office/powerpoint/2010/main" val="2781323253"/>
       </p:ext>
     </p:extLst>
   </p:cSld>
@@ -626,7 +627,7 @@
     </p:spTree>
     <p:extLst>
       <p:ext uri="{BB962C8B-B14F-4D97-AF65-F5344CB8AC3E}">
-        <p14:creationId xmlns:p14="http://schemas.microsoft.com/office/powerpoint/2010/main" xmlns="" val="3474182558"/>
+        <p14:creationId xmlns="" xmlns:p14="http://schemas.microsoft.com/office/powerpoint/2010/main" val="3474182558"/>
       </p:ext>
     </p:extLst>
   </p:cSld>
@@ -843,7 +844,7 @@
     </p:spTree>
     <p:extLst>
       <p:ext uri="{BB962C8B-B14F-4D97-AF65-F5344CB8AC3E}">
-        <p14:creationId xmlns:p14="http://schemas.microsoft.com/office/powerpoint/2010/main" xmlns="" val="866537377"/>
+        <p14:creationId xmlns="" xmlns:p14="http://schemas.microsoft.com/office/powerpoint/2010/main" val="866537377"/>
       </p:ext>
     </p:extLst>
   </p:cSld>
@@ -1068,7 +1069,7 @@
     </p:spTree>
     <p:extLst>
       <p:ext uri="{BB962C8B-B14F-4D97-AF65-F5344CB8AC3E}">
-        <p14:creationId xmlns:p14="http://schemas.microsoft.com/office/powerpoint/2010/main" xmlns="" val="3298509723"/>
+        <p14:creationId xmlns="" xmlns:p14="http://schemas.microsoft.com/office/powerpoint/2010/main" val="3298509723"/>
       </p:ext>
     </p:extLst>
   </p:cSld>
@@ -1534,7 +1535,7 @@
     </p:spTree>
     <p:extLst>
       <p:ext uri="{BB962C8B-B14F-4D97-AF65-F5344CB8AC3E}">
-        <p14:creationId xmlns:p14="http://schemas.microsoft.com/office/powerpoint/2010/main" xmlns="" val="3385350164"/>
+        <p14:creationId xmlns="" xmlns:p14="http://schemas.microsoft.com/office/powerpoint/2010/main" val="3385350164"/>
       </p:ext>
     </p:extLst>
   </p:cSld>
@@ -1831,7 +1832,7 @@
     </p:spTree>
     <p:extLst>
       <p:ext uri="{BB962C8B-B14F-4D97-AF65-F5344CB8AC3E}">
-        <p14:creationId xmlns:p14="http://schemas.microsoft.com/office/powerpoint/2010/main" xmlns="" val="969600106"/>
+        <p14:creationId xmlns="" xmlns:p14="http://schemas.microsoft.com/office/powerpoint/2010/main" val="969600106"/>
       </p:ext>
     </p:extLst>
   </p:cSld>
@@ -2238,7 +2239,7 @@
     </p:spTree>
     <p:extLst>
       <p:ext uri="{BB962C8B-B14F-4D97-AF65-F5344CB8AC3E}">
-        <p14:creationId xmlns:p14="http://schemas.microsoft.com/office/powerpoint/2010/main" xmlns="" val="41591144"/>
+        <p14:creationId xmlns="" xmlns:p14="http://schemas.microsoft.com/office/powerpoint/2010/main" val="41591144"/>
       </p:ext>
     </p:extLst>
   </p:cSld>
@@ -2393,7 +2394,7 @@
     </p:spTree>
     <p:extLst>
       <p:ext uri="{BB962C8B-B14F-4D97-AF65-F5344CB8AC3E}">
-        <p14:creationId xmlns:p14="http://schemas.microsoft.com/office/powerpoint/2010/main" xmlns="" val="959098054"/>
+        <p14:creationId xmlns="" xmlns:p14="http://schemas.microsoft.com/office/powerpoint/2010/main" val="959098054"/>
       </p:ext>
     </p:extLst>
   </p:cSld>
@@ -2525,7 +2526,7 @@
     </p:spTree>
     <p:extLst>
       <p:ext uri="{BB962C8B-B14F-4D97-AF65-F5344CB8AC3E}">
-        <p14:creationId xmlns:p14="http://schemas.microsoft.com/office/powerpoint/2010/main" xmlns="" val="3226140444"/>
+        <p14:creationId xmlns="" xmlns:p14="http://schemas.microsoft.com/office/powerpoint/2010/main" val="3226140444"/>
       </p:ext>
     </p:extLst>
   </p:cSld>
@@ -2855,7 +2856,7 @@
     </p:spTree>
     <p:extLst>
       <p:ext uri="{BB962C8B-B14F-4D97-AF65-F5344CB8AC3E}">
-        <p14:creationId xmlns:p14="http://schemas.microsoft.com/office/powerpoint/2010/main" xmlns="" val="2110154332"/>
+        <p14:creationId xmlns="" xmlns:p14="http://schemas.microsoft.com/office/powerpoint/2010/main" val="2110154332"/>
       </p:ext>
     </p:extLst>
   </p:cSld>
@@ -3166,7 +3167,7 @@
     </p:spTree>
     <p:extLst>
       <p:ext uri="{BB962C8B-B14F-4D97-AF65-F5344CB8AC3E}">
-        <p14:creationId xmlns:p14="http://schemas.microsoft.com/office/powerpoint/2010/main" xmlns="" val="919008979"/>
+        <p14:creationId xmlns="" xmlns:p14="http://schemas.microsoft.com/office/powerpoint/2010/main" val="919008979"/>
       </p:ext>
     </p:extLst>
   </p:cSld>
@@ -3566,7 +3567,7 @@
     </p:spTree>
     <p:extLst>
       <p:ext uri="{BB962C8B-B14F-4D97-AF65-F5344CB8AC3E}">
-        <p14:creationId xmlns:p14="http://schemas.microsoft.com/office/powerpoint/2010/main" xmlns="" val="2134710867"/>
+        <p14:creationId xmlns="" xmlns:p14="http://schemas.microsoft.com/office/powerpoint/2010/main" val="2134710867"/>
       </p:ext>
     </p:extLst>
   </p:cSld>
@@ -3997,7 +3998,7 @@
     </p:spTree>
     <p:extLst>
       <p:ext uri="{BB962C8B-B14F-4D97-AF65-F5344CB8AC3E}">
-        <p14:creationId xmlns:p14="http://schemas.microsoft.com/office/powerpoint/2010/main" xmlns="" val="136063537"/>
+        <p14:creationId xmlns="" xmlns:p14="http://schemas.microsoft.com/office/powerpoint/2010/main" val="136063537"/>
       </p:ext>
     </p:extLst>
   </p:cSld>
@@ -7707,7 +7708,7 @@
           <a:blip r:embed="rId2" cstate="print">
             <a:extLst>
               <a:ext uri="{28A0092B-C50C-407E-A947-70E740481C1C}">
-                <a14:useLocalDpi xmlns:a14="http://schemas.microsoft.com/office/drawing/2010/main" xmlns="" val="0"/>
+                <a14:useLocalDpi xmlns="" xmlns:a14="http://schemas.microsoft.com/office/drawing/2010/main" val="0"/>
               </a:ext>
             </a:extLst>
           </a:blip>
@@ -7731,14 +7732,14 @@
           <a:effectLst/>
           <a:extLst>
             <a:ext uri="{909E8E84-426E-40DD-AFC4-6F175D3DCCD1}">
-              <a14:hiddenFill xmlns:a14="http://schemas.microsoft.com/office/drawing/2010/main" xmlns="">
+              <a14:hiddenFill xmlns="" xmlns:a14="http://schemas.microsoft.com/office/drawing/2010/main">
                 <a:solidFill>
                   <a:schemeClr val="accent1"/>
                 </a:solidFill>
               </a14:hiddenFill>
             </a:ext>
             <a:ext uri="{91240B29-F687-4F45-9708-019B960494DF}">
-              <a14:hiddenLine xmlns:a14="http://schemas.microsoft.com/office/drawing/2010/main" xmlns="" w="9525">
+              <a14:hiddenLine xmlns="" xmlns:a14="http://schemas.microsoft.com/office/drawing/2010/main" w="9525">
                 <a:solidFill>
                   <a:schemeClr val="tx1"/>
                 </a:solidFill>
@@ -7748,7 +7749,7 @@
               </a14:hiddenLine>
             </a:ext>
             <a:ext uri="{AF507438-7753-43E0-B8FC-AC1667EBCBE1}">
-              <a14:hiddenEffects xmlns:a14="http://schemas.microsoft.com/office/drawing/2010/main" xmlns="">
+              <a14:hiddenEffects xmlns="" xmlns:a14="http://schemas.microsoft.com/office/drawing/2010/main">
                 <a:effectLst>
                   <a:outerShdw dist="35921" dir="2700000" algn="ctr" rotWithShape="0">
                     <a:schemeClr val="bg2"/>
@@ -9510,7 +9511,7 @@
           <a:blip r:embed="rId2" cstate="print">
             <a:extLst>
               <a:ext uri="{28A0092B-C50C-407E-A947-70E740481C1C}">
-                <a14:useLocalDpi xmlns:a14="http://schemas.microsoft.com/office/drawing/2010/main" xmlns="" val="0"/>
+                <a14:useLocalDpi xmlns="" xmlns:a14="http://schemas.microsoft.com/office/drawing/2010/main" val="0"/>
               </a:ext>
             </a:extLst>
           </a:blip>
@@ -9534,14 +9535,14 @@
           <a:effectLst/>
           <a:extLst>
             <a:ext uri="{909E8E84-426E-40DD-AFC4-6F175D3DCCD1}">
-              <a14:hiddenFill xmlns:a14="http://schemas.microsoft.com/office/drawing/2010/main" xmlns="">
+              <a14:hiddenFill xmlns="" xmlns:a14="http://schemas.microsoft.com/office/drawing/2010/main">
                 <a:solidFill>
                   <a:schemeClr val="accent1"/>
                 </a:solidFill>
               </a14:hiddenFill>
             </a:ext>
             <a:ext uri="{91240B29-F687-4F45-9708-019B960494DF}">
-              <a14:hiddenLine xmlns:a14="http://schemas.microsoft.com/office/drawing/2010/main" xmlns="" w="9525">
+              <a14:hiddenLine xmlns="" xmlns:a14="http://schemas.microsoft.com/office/drawing/2010/main" w="9525">
                 <a:solidFill>
                   <a:schemeClr val="tx1"/>
                 </a:solidFill>
@@ -9551,7 +9552,7 @@
               </a14:hiddenLine>
             </a:ext>
             <a:ext uri="{AF507438-7753-43E0-B8FC-AC1667EBCBE1}">
-              <a14:hiddenEffects xmlns:a14="http://schemas.microsoft.com/office/drawing/2010/main" xmlns="">
+              <a14:hiddenEffects xmlns="" xmlns:a14="http://schemas.microsoft.com/office/drawing/2010/main">
                 <a:effectLst>
                   <a:outerShdw dist="35921" dir="2700000" algn="ctr" rotWithShape="0">
                     <a:schemeClr val="bg2"/>
@@ -9786,7 +9787,7 @@
     </p:spTree>
     <p:extLst>
       <p:ext uri="{BB962C8B-B14F-4D97-AF65-F5344CB8AC3E}">
-        <p14:creationId xmlns:p14="http://schemas.microsoft.com/office/powerpoint/2010/main" xmlns="" val="4174600133"/>
+        <p14:creationId xmlns="" xmlns:p14="http://schemas.microsoft.com/office/powerpoint/2010/main" val="4174600133"/>
       </p:ext>
     </p:extLst>
   </p:cSld>
@@ -12412,7 +12413,7 @@
           <a:blip r:embed="rId2" cstate="print">
             <a:extLst>
               <a:ext uri="{28A0092B-C50C-407E-A947-70E740481C1C}">
-                <a14:useLocalDpi xmlns:a14="http://schemas.microsoft.com/office/drawing/2010/main" xmlns="" val="0"/>
+                <a14:useLocalDpi xmlns="" xmlns:a14="http://schemas.microsoft.com/office/drawing/2010/main" val="0"/>
               </a:ext>
             </a:extLst>
           </a:blip>
@@ -12436,14 +12437,14 @@
           <a:effectLst/>
           <a:extLst>
             <a:ext uri="{909E8E84-426E-40DD-AFC4-6F175D3DCCD1}">
-              <a14:hiddenFill xmlns:a14="http://schemas.microsoft.com/office/drawing/2010/main" xmlns="">
+              <a14:hiddenFill xmlns="" xmlns:a14="http://schemas.microsoft.com/office/drawing/2010/main">
                 <a:solidFill>
                   <a:schemeClr val="accent1"/>
                 </a:solidFill>
               </a14:hiddenFill>
             </a:ext>
             <a:ext uri="{91240B29-F687-4F45-9708-019B960494DF}">
-              <a14:hiddenLine xmlns:a14="http://schemas.microsoft.com/office/drawing/2010/main" xmlns="" w="9525">
+              <a14:hiddenLine xmlns="" xmlns:a14="http://schemas.microsoft.com/office/drawing/2010/main" w="9525">
                 <a:solidFill>
                   <a:schemeClr val="tx1"/>
                 </a:solidFill>
@@ -12453,7 +12454,7 @@
               </a14:hiddenLine>
             </a:ext>
             <a:ext uri="{AF507438-7753-43E0-B8FC-AC1667EBCBE1}">
-              <a14:hiddenEffects xmlns:a14="http://schemas.microsoft.com/office/drawing/2010/main" xmlns="">
+              <a14:hiddenEffects xmlns="" xmlns:a14="http://schemas.microsoft.com/office/drawing/2010/main">
                 <a:effectLst>
                   <a:outerShdw dist="35921" dir="2700000" algn="ctr" rotWithShape="0">
                     <a:schemeClr val="bg2"/>
@@ -12693,7 +12694,7 @@
     </p:spTree>
     <p:extLst>
       <p:ext uri="{BB962C8B-B14F-4D97-AF65-F5344CB8AC3E}">
-        <p14:creationId xmlns:p14="http://schemas.microsoft.com/office/powerpoint/2010/main" xmlns="" val="2661201591"/>
+        <p14:creationId xmlns="" xmlns:p14="http://schemas.microsoft.com/office/powerpoint/2010/main" val="2661201591"/>
       </p:ext>
     </p:extLst>
   </p:cSld>
@@ -19852,7 +19853,7 @@
           <a:blip r:embed="rId2" cstate="print">
             <a:extLst>
               <a:ext uri="{28A0092B-C50C-407E-A947-70E740481C1C}">
-                <a14:useLocalDpi xmlns:a14="http://schemas.microsoft.com/office/drawing/2010/main" xmlns="" val="0"/>
+                <a14:useLocalDpi xmlns="" xmlns:a14="http://schemas.microsoft.com/office/drawing/2010/main" val="0"/>
               </a:ext>
             </a:extLst>
           </a:blip>
@@ -19876,14 +19877,14 @@
           <a:effectLst/>
           <a:extLst>
             <a:ext uri="{909E8E84-426E-40DD-AFC4-6F175D3DCCD1}">
-              <a14:hiddenFill xmlns:a14="http://schemas.microsoft.com/office/drawing/2010/main" xmlns="">
+              <a14:hiddenFill xmlns="" xmlns:a14="http://schemas.microsoft.com/office/drawing/2010/main">
                 <a:solidFill>
                   <a:schemeClr val="accent1"/>
                 </a:solidFill>
               </a14:hiddenFill>
             </a:ext>
             <a:ext uri="{91240B29-F687-4F45-9708-019B960494DF}">
-              <a14:hiddenLine xmlns:a14="http://schemas.microsoft.com/office/drawing/2010/main" xmlns="" w="9525">
+              <a14:hiddenLine xmlns="" xmlns:a14="http://schemas.microsoft.com/office/drawing/2010/main" w="9525">
                 <a:solidFill>
                   <a:schemeClr val="tx1"/>
                 </a:solidFill>
@@ -19893,7 +19894,7 @@
               </a14:hiddenLine>
             </a:ext>
             <a:ext uri="{AF507438-7753-43E0-B8FC-AC1667EBCBE1}">
-              <a14:hiddenEffects xmlns:a14="http://schemas.microsoft.com/office/drawing/2010/main" xmlns="">
+              <a14:hiddenEffects xmlns="" xmlns:a14="http://schemas.microsoft.com/office/drawing/2010/main">
                 <a:effectLst>
                   <a:outerShdw dist="35921" dir="2700000" algn="ctr" rotWithShape="0">
                     <a:schemeClr val="bg2"/>
@@ -19945,7 +19946,7 @@
     </p:spTree>
     <p:extLst>
       <p:ext uri="{BB962C8B-B14F-4D97-AF65-F5344CB8AC3E}">
-        <p14:creationId xmlns:p14="http://schemas.microsoft.com/office/powerpoint/2010/main" xmlns="" val="3560544325"/>
+        <p14:creationId xmlns="" xmlns:p14="http://schemas.microsoft.com/office/powerpoint/2010/main" val="3560544325"/>
       </p:ext>
     </p:extLst>
   </p:cSld>
@@ -21411,7 +21412,7 @@
           <a:blip r:embed="rId2" cstate="print">
             <a:extLst>
               <a:ext uri="{28A0092B-C50C-407E-A947-70E740481C1C}">
-                <a14:useLocalDpi xmlns:a14="http://schemas.microsoft.com/office/drawing/2010/main" xmlns="" val="0"/>
+                <a14:useLocalDpi xmlns="" xmlns:a14="http://schemas.microsoft.com/office/drawing/2010/main" val="0"/>
               </a:ext>
             </a:extLst>
           </a:blip>
@@ -21435,14 +21436,14 @@
           <a:effectLst/>
           <a:extLst>
             <a:ext uri="{909E8E84-426E-40DD-AFC4-6F175D3DCCD1}">
-              <a14:hiddenFill xmlns:a14="http://schemas.microsoft.com/office/drawing/2010/main" xmlns="">
+              <a14:hiddenFill xmlns="" xmlns:a14="http://schemas.microsoft.com/office/drawing/2010/main">
                 <a:solidFill>
                   <a:schemeClr val="accent1"/>
                 </a:solidFill>
               </a14:hiddenFill>
             </a:ext>
             <a:ext uri="{91240B29-F687-4F45-9708-019B960494DF}">
-              <a14:hiddenLine xmlns:a14="http://schemas.microsoft.com/office/drawing/2010/main" xmlns="" w="9525">
+              <a14:hiddenLine xmlns="" xmlns:a14="http://schemas.microsoft.com/office/drawing/2010/main" w="9525">
                 <a:solidFill>
                   <a:schemeClr val="tx1"/>
                 </a:solidFill>
@@ -21452,7 +21453,7 @@
               </a14:hiddenLine>
             </a:ext>
             <a:ext uri="{AF507438-7753-43E0-B8FC-AC1667EBCBE1}">
-              <a14:hiddenEffects xmlns:a14="http://schemas.microsoft.com/office/drawing/2010/main" xmlns="">
+              <a14:hiddenEffects xmlns="" xmlns:a14="http://schemas.microsoft.com/office/drawing/2010/main">
                 <a:effectLst>
                   <a:outerShdw dist="35921" dir="2700000" algn="ctr" rotWithShape="0">
                     <a:schemeClr val="bg2"/>
@@ -26021,6 +26022,167 @@
 </p:sld>
 </file>
 
+<file path=ppt/slides/slide34.xml><?xml version="1.0" encoding="utf-8"?>
+<p:sld xmlns:a="http://schemas.openxmlformats.org/drawingml/2006/main" xmlns:r="http://schemas.openxmlformats.org/officeDocument/2006/relationships" xmlns:p="http://schemas.openxmlformats.org/presentationml/2006/main">
+  <p:cSld>
+    <p:spTree>
+      <p:nvGrpSpPr>
+        <p:cNvPr id="1" name=""/>
+        <p:cNvGrpSpPr/>
+        <p:nvPr/>
+      </p:nvGrpSpPr>
+      <p:grpSpPr>
+        <a:xfrm>
+          <a:off x="0" y="0"/>
+          <a:ext cx="0" cy="0"/>
+          <a:chOff x="0" y="0"/>
+          <a:chExt cx="0" cy="0"/>
+        </a:xfrm>
+      </p:grpSpPr>
+      <p:sp>
+        <p:nvSpPr>
+          <p:cNvPr id="2" name="Title 1"/>
+          <p:cNvSpPr>
+            <a:spLocks noGrp="1"/>
+          </p:cNvSpPr>
+          <p:nvPr>
+            <p:ph type="title"/>
+          </p:nvPr>
+        </p:nvSpPr>
+        <p:spPr/>
+        <p:txBody>
+          <a:bodyPr/>
+          <a:lstStyle/>
+          <a:p>
+            <a:r>
+              <a:rPr lang="en-US" dirty="0" smtClean="0"/>
+              <a:t>Acknowledgement</a:t>
+            </a:r>
+            <a:endParaRPr lang="en-US" dirty="0"/>
+          </a:p>
+        </p:txBody>
+      </p:sp>
+      <p:sp>
+        <p:nvSpPr>
+          <p:cNvPr id="3" name="Content Placeholder 2"/>
+          <p:cNvSpPr>
+            <a:spLocks noGrp="1"/>
+          </p:cNvSpPr>
+          <p:nvPr>
+            <p:ph idx="1"/>
+          </p:nvPr>
+        </p:nvSpPr>
+        <p:spPr/>
+        <p:txBody>
+          <a:bodyPr/>
+          <a:lstStyle/>
+          <a:p>
+            <a:r>
+              <a:rPr lang="en-US" dirty="0" smtClean="0"/>
+              <a:t>This work used resources from Cyber-</a:t>
+            </a:r>
+            <a:r>
+              <a:rPr lang="en-US" dirty="0" err="1" smtClean="0"/>
+              <a:t>ShARE</a:t>
+            </a:r>
+            <a:r>
+              <a:rPr lang="en-US" dirty="0" smtClean="0"/>
+              <a:t> Center of Excellence, which is supported by National Science Foundation grant number HRD-0734825. Unless otherwise stated, work by Cyber-</a:t>
+            </a:r>
+            <a:r>
+              <a:rPr lang="en-US" dirty="0" err="1" smtClean="0"/>
+              <a:t>ShARE</a:t>
+            </a:r>
+            <a:r>
+              <a:rPr lang="en-US" dirty="0" smtClean="0"/>
+              <a:t> is licensed under a </a:t>
+            </a:r>
+            <a:r>
+              <a:rPr lang="en-US" dirty="0" smtClean="0">
+                <a:hlinkClick r:id="rId2"/>
+              </a:rPr>
+              <a:t>Creative Commons Attribution 3.0 </a:t>
+            </a:r>
+            <a:r>
+              <a:rPr lang="en-US" dirty="0" err="1" smtClean="0">
+                <a:hlinkClick r:id="rId2"/>
+              </a:rPr>
+              <a:t>Unported</a:t>
+            </a:r>
+            <a:r>
+              <a:rPr lang="en-US" dirty="0" smtClean="0">
+                <a:hlinkClick r:id="rId2"/>
+              </a:rPr>
+              <a:t> License</a:t>
+            </a:r>
+            <a:r>
+              <a:rPr lang="en-US" dirty="0" smtClean="0"/>
+              <a:t>. </a:t>
+            </a:r>
+            <a:r>
+              <a:rPr lang="en-US" smtClean="0"/>
+              <a:t>Permissions beyond the scope of this license may be available at </a:t>
+            </a:r>
+            <a:r>
+              <a:rPr lang="en-US" smtClean="0">
+                <a:hlinkClick r:id="rId3"/>
+              </a:rPr>
+              <a:t>http://cybershare.utep.edu/content/cyber-share-acknowledgment</a:t>
+            </a:r>
+            <a:r>
+              <a:rPr lang="en-US" smtClean="0"/>
+              <a:t>.</a:t>
+            </a:r>
+            <a:endParaRPr lang="en-US"/>
+          </a:p>
+        </p:txBody>
+      </p:sp>
+      <p:sp>
+        <p:nvSpPr>
+          <p:cNvPr id="4" name="Slide Number Placeholder 3"/>
+          <p:cNvSpPr>
+            <a:spLocks noGrp="1"/>
+          </p:cNvSpPr>
+          <p:nvPr>
+            <p:ph type="sldNum" sz="quarter" idx="12"/>
+          </p:nvPr>
+        </p:nvSpPr>
+        <p:spPr/>
+        <p:txBody>
+          <a:bodyPr/>
+          <a:lstStyle/>
+          <a:p>
+            <a:fld id="{19FE9A2D-C7A2-483E-BE3C-673C646EC5A2}" type="slidenum">
+              <a:rPr lang="en-US" smtClean="0">
+                <a:solidFill>
+                  <a:prstClr val="black">
+                    <a:lumMod val="65000"/>
+                    <a:lumOff val="35000"/>
+                  </a:prstClr>
+                </a:solidFill>
+              </a:rPr>
+              <a:pPr/>
+              <a:t>34</a:t>
+            </a:fld>
+            <a:endParaRPr lang="en-US">
+              <a:solidFill>
+                <a:prstClr val="black">
+                  <a:lumMod val="65000"/>
+                  <a:lumOff val="35000"/>
+                </a:prstClr>
+              </a:solidFill>
+            </a:endParaRPr>
+          </a:p>
+        </p:txBody>
+      </p:sp>
+    </p:spTree>
+  </p:cSld>
+  <p:clrMapOvr>
+    <a:masterClrMapping/>
+  </p:clrMapOvr>
+</p:sld>
+</file>
+
 <file path=ppt/slides/slide4.xml><?xml version="1.0" encoding="utf-8"?>
 <p:sld xmlns:a="http://schemas.openxmlformats.org/drawingml/2006/main" xmlns:r="http://schemas.openxmlformats.org/officeDocument/2006/relationships" xmlns:p="http://schemas.openxmlformats.org/presentationml/2006/main">
   <p:cSld>
@@ -26073,7 +26235,7 @@
           <a:blip r:embed="rId2" cstate="print">
             <a:extLst>
               <a:ext uri="{28A0092B-C50C-407E-A947-70E740481C1C}">
-                <a14:useLocalDpi xmlns:a14="http://schemas.microsoft.com/office/drawing/2010/main" xmlns="" val="0"/>
+                <a14:useLocalDpi xmlns="" xmlns:a14="http://schemas.microsoft.com/office/drawing/2010/main" val="0"/>
               </a:ext>
             </a:extLst>
           </a:blip>
@@ -26097,14 +26259,14 @@
           <a:effectLst/>
           <a:extLst>
             <a:ext uri="{909E8E84-426E-40DD-AFC4-6F175D3DCCD1}">
-              <a14:hiddenFill xmlns:a14="http://schemas.microsoft.com/office/drawing/2010/main" xmlns="">
+              <a14:hiddenFill xmlns="" xmlns:a14="http://schemas.microsoft.com/office/drawing/2010/main">
                 <a:solidFill>
                   <a:schemeClr val="accent1"/>
                 </a:solidFill>
               </a14:hiddenFill>
             </a:ext>
             <a:ext uri="{91240B29-F687-4F45-9708-019B960494DF}">
-              <a14:hiddenLine xmlns:a14="http://schemas.microsoft.com/office/drawing/2010/main" xmlns="" w="9525">
+              <a14:hiddenLine xmlns="" xmlns:a14="http://schemas.microsoft.com/office/drawing/2010/main" w="9525">
                 <a:solidFill>
                   <a:schemeClr val="tx1"/>
                 </a:solidFill>
@@ -26114,7 +26276,7 @@
               </a14:hiddenLine>
             </a:ext>
             <a:ext uri="{AF507438-7753-43E0-B8FC-AC1667EBCBE1}">
-              <a14:hiddenEffects xmlns:a14="http://schemas.microsoft.com/office/drawing/2010/main" xmlns="">
+              <a14:hiddenEffects xmlns="" xmlns:a14="http://schemas.microsoft.com/office/drawing/2010/main">
                 <a:effectLst>
                   <a:outerShdw dist="35921" dir="2700000" algn="ctr" rotWithShape="0">
                     <a:schemeClr val="bg2"/>
@@ -26207,7 +26369,7 @@
     </p:spTree>
     <p:extLst>
       <p:ext uri="{BB962C8B-B14F-4D97-AF65-F5344CB8AC3E}">
-        <p14:creationId xmlns:p14="http://schemas.microsoft.com/office/powerpoint/2010/main" xmlns="" val="1997112302"/>
+        <p14:creationId xmlns="" xmlns:p14="http://schemas.microsoft.com/office/powerpoint/2010/main" val="1997112302"/>
       </p:ext>
     </p:extLst>
   </p:cSld>
@@ -26276,7 +26438,7 @@
           <a:blip r:embed="rId2" cstate="print">
             <a:extLst>
               <a:ext uri="{28A0092B-C50C-407E-A947-70E740481C1C}">
-                <a14:useLocalDpi xmlns:a14="http://schemas.microsoft.com/office/drawing/2010/main" xmlns="" val="0"/>
+                <a14:useLocalDpi xmlns="" xmlns:a14="http://schemas.microsoft.com/office/drawing/2010/main" val="0"/>
               </a:ext>
             </a:extLst>
           </a:blip>
@@ -26300,14 +26462,14 @@
           <a:effectLst/>
           <a:extLst>
             <a:ext uri="{909E8E84-426E-40DD-AFC4-6F175D3DCCD1}">
-              <a14:hiddenFill xmlns:a14="http://schemas.microsoft.com/office/drawing/2010/main" xmlns="">
+              <a14:hiddenFill xmlns="" xmlns:a14="http://schemas.microsoft.com/office/drawing/2010/main">
                 <a:solidFill>
                   <a:schemeClr val="accent1"/>
                 </a:solidFill>
               </a14:hiddenFill>
             </a:ext>
             <a:ext uri="{91240B29-F687-4F45-9708-019B960494DF}">
-              <a14:hiddenLine xmlns:a14="http://schemas.microsoft.com/office/drawing/2010/main" xmlns="" w="9525">
+              <a14:hiddenLine xmlns="" xmlns:a14="http://schemas.microsoft.com/office/drawing/2010/main" w="9525">
                 <a:solidFill>
                   <a:schemeClr val="tx1"/>
                 </a:solidFill>
@@ -26317,7 +26479,7 @@
               </a14:hiddenLine>
             </a:ext>
             <a:ext uri="{AF507438-7753-43E0-B8FC-AC1667EBCBE1}">
-              <a14:hiddenEffects xmlns:a14="http://schemas.microsoft.com/office/drawing/2010/main" xmlns="">
+              <a14:hiddenEffects xmlns="" xmlns:a14="http://schemas.microsoft.com/office/drawing/2010/main">
                 <a:effectLst>
                   <a:outerShdw dist="35921" dir="2700000" algn="ctr" rotWithShape="0">
                     <a:schemeClr val="bg2"/>
@@ -26410,7 +26572,7 @@
     </p:spTree>
     <p:extLst>
       <p:ext uri="{BB962C8B-B14F-4D97-AF65-F5344CB8AC3E}">
-        <p14:creationId xmlns:p14="http://schemas.microsoft.com/office/powerpoint/2010/main" xmlns="" val="54580674"/>
+        <p14:creationId xmlns="" xmlns:p14="http://schemas.microsoft.com/office/powerpoint/2010/main" val="54580674"/>
       </p:ext>
     </p:extLst>
   </p:cSld>
@@ -26479,7 +26641,7 @@
           <a:blip r:embed="rId2" cstate="print">
             <a:extLst>
               <a:ext uri="{28A0092B-C50C-407E-A947-70E740481C1C}">
-                <a14:useLocalDpi xmlns:a14="http://schemas.microsoft.com/office/drawing/2010/main" xmlns="" val="0"/>
+                <a14:useLocalDpi xmlns="" xmlns:a14="http://schemas.microsoft.com/office/drawing/2010/main" val="0"/>
               </a:ext>
             </a:extLst>
           </a:blip>
@@ -26503,14 +26665,14 @@
           <a:effectLst/>
           <a:extLst>
             <a:ext uri="{909E8E84-426E-40DD-AFC4-6F175D3DCCD1}">
-              <a14:hiddenFill xmlns:a14="http://schemas.microsoft.com/office/drawing/2010/main" xmlns="">
+              <a14:hiddenFill xmlns="" xmlns:a14="http://schemas.microsoft.com/office/drawing/2010/main">
                 <a:solidFill>
                   <a:schemeClr val="accent1"/>
                 </a:solidFill>
               </a14:hiddenFill>
             </a:ext>
             <a:ext uri="{91240B29-F687-4F45-9708-019B960494DF}">
-              <a14:hiddenLine xmlns:a14="http://schemas.microsoft.com/office/drawing/2010/main" xmlns="" w="9525">
+              <a14:hiddenLine xmlns="" xmlns:a14="http://schemas.microsoft.com/office/drawing/2010/main" w="9525">
                 <a:solidFill>
                   <a:schemeClr val="tx1"/>
                 </a:solidFill>
@@ -26520,7 +26682,7 @@
               </a14:hiddenLine>
             </a:ext>
             <a:ext uri="{AF507438-7753-43E0-B8FC-AC1667EBCBE1}">
-              <a14:hiddenEffects xmlns:a14="http://schemas.microsoft.com/office/drawing/2010/main" xmlns="">
+              <a14:hiddenEffects xmlns="" xmlns:a14="http://schemas.microsoft.com/office/drawing/2010/main">
                 <a:effectLst>
                   <a:outerShdw dist="35921" dir="2700000" algn="ctr" rotWithShape="0">
                     <a:schemeClr val="bg2"/>
@@ -26613,7 +26775,7 @@
     </p:spTree>
     <p:extLst>
       <p:ext uri="{BB962C8B-B14F-4D97-AF65-F5344CB8AC3E}">
-        <p14:creationId xmlns:p14="http://schemas.microsoft.com/office/powerpoint/2010/main" xmlns="" val="1808818808"/>
+        <p14:creationId xmlns="" xmlns:p14="http://schemas.microsoft.com/office/powerpoint/2010/main" val="1808818808"/>
       </p:ext>
     </p:extLst>
   </p:cSld>
